--- a/docs/documents/weekly_meeting/5 Jan 2017.pptx
+++ b/docs/documents/weekly_meeting/5 Jan 2017.pptx
@@ -118,6 +118,11 @@
       </a:defRPr>
     </a:lvl9pPr>
   </p:defaultTextStyle>
+  <p:extLst>
+    <p:ext uri="{EFAFB233-063F-42B5-8137-9DF3F51BA10A}">
+      <p15:sldGuideLst xmlns:p15="http://schemas.microsoft.com/office/powerpoint/2012/main"/>
+    </p:ext>
+  </p:extLst>
 </p:presentation>
 </file>
 
@@ -7386,7 +7391,7 @@
           <a:lstStyle/>
           <a:p>
             <a:r>
-              <a:rPr lang="en-US" b="1" smtClean="0"/>
+              <a:rPr lang="en-US" b="1" dirty="0" smtClean="0"/>
               <a:t>What’s next?</a:t>
             </a:r>
             <a:endParaRPr lang="en-US" b="1" dirty="0"/>
@@ -7405,7 +7410,9 @@
         </p:nvSpPr>
         <p:spPr/>
         <p:txBody>
-          <a:bodyPr/>
+          <a:bodyPr>
+            <a:normAutofit lnSpcReduction="10000"/>
+          </a:bodyPr>
           <a:lstStyle/>
           <a:p>
             <a:r>
@@ -7417,8 +7424,25 @@
             <a:pPr lvl="1"/>
             <a:r>
               <a:rPr lang="en-US" dirty="0" smtClean="0"/>
-              <a:t>Not sure how it works and how it can be applied since most applications are in the area of EEG</a:t>
+              <a:t>Not sure how it works and how it can be applied since most applications are in the area of </a:t>
             </a:r>
+            <a:r>
+              <a:rPr lang="en-US" dirty="0" smtClean="0"/>
+              <a:t>EEG </a:t>
+            </a:r>
+            <a:r>
+              <a:rPr lang="en-US" dirty="0" smtClean="0">
+                <a:sym typeface="Wingdings"/>
+              </a:rPr>
+              <a:t> </a:t>
+            </a:r>
+            <a:r>
+              <a:rPr lang="en-US" b="1" dirty="0" smtClean="0">
+                <a:sym typeface="Wingdings"/>
+              </a:rPr>
+              <a:t>try 0-mean everything per subject</a:t>
+            </a:r>
+            <a:endParaRPr lang="en-US" b="1" dirty="0" smtClean="0"/>
           </a:p>
           <a:p>
             <a:r>
@@ -7450,7 +7474,40 @@
               <a:rPr lang="en-US" dirty="0" smtClean="0">
                 <a:sym typeface="Wingdings"/>
               </a:rPr>
-              <a:t> may help in differentiating running, walking, going downstairs/upstairs</a:t>
+              <a:t> may help in differentiating running, walking, going </a:t>
+            </a:r>
+            <a:r>
+              <a:rPr lang="en-US" dirty="0" smtClean="0">
+                <a:sym typeface="Wingdings"/>
+              </a:rPr>
+              <a:t>downstairs/upstairs</a:t>
+            </a:r>
+          </a:p>
+          <a:p>
+            <a:pPr lvl="1"/>
+            <a:r>
+              <a:rPr lang="en-US" b="1" i="1" u="sng" dirty="0" smtClean="0">
+                <a:sym typeface="Wingdings"/>
+              </a:rPr>
+              <a:t>Try including </a:t>
+            </a:r>
+            <a:r>
+              <a:rPr lang="en-US" b="1" i="1" u="sng" dirty="0" err="1" smtClean="0">
+                <a:sym typeface="Wingdings"/>
+              </a:rPr>
+              <a:t>gyrometer</a:t>
+            </a:r>
+            <a:r>
+              <a:rPr lang="en-US" b="1" i="1" u="sng" dirty="0" smtClean="0">
+                <a:sym typeface="Wingdings"/>
+              </a:rPr>
+              <a:t> </a:t>
+            </a:r>
+            <a:r>
+              <a:rPr lang="en-US" dirty="0" smtClean="0">
+                <a:sym typeface="Wingdings"/>
+              </a:rPr>
+              <a:t> to compare with barometer results</a:t>
             </a:r>
             <a:endParaRPr lang="en-US" dirty="0" smtClean="0"/>
           </a:p>
@@ -7546,11 +7603,7 @@
           <a:p>
             <a:r>
               <a:rPr lang="en-US" dirty="0" smtClean="0"/>
-              <a:t>11 </a:t>
-            </a:r>
-            <a:r>
-              <a:rPr lang="en-US" dirty="0" smtClean="0"/>
-              <a:t>persons </a:t>
+              <a:t>11 persons </a:t>
             </a:r>
             <a:r>
               <a:rPr lang="mr-IN" dirty="0" smtClean="0"/>
@@ -7558,11 +7611,7 @@
             </a:r>
             <a:r>
               <a:rPr lang="en-US" dirty="0" smtClean="0"/>
-              <a:t> including myself </a:t>
-            </a:r>
-            <a:r>
-              <a:rPr lang="en-US" dirty="0" smtClean="0"/>
-              <a:t>(</a:t>
+              <a:t> including myself (</a:t>
             </a:r>
             <a:r>
               <a:rPr lang="en-US" dirty="0"/>
@@ -7570,11 +7619,7 @@
             </a:r>
             <a:r>
               <a:rPr lang="en-US" dirty="0" smtClean="0"/>
-              <a:t> </a:t>
-            </a:r>
-            <a:r>
-              <a:rPr lang="en-US" dirty="0" smtClean="0"/>
-              <a:t>males, </a:t>
+              <a:t> males, </a:t>
             </a:r>
             <a:r>
               <a:rPr lang="en-US" dirty="0"/>
@@ -7582,11 +7627,7 @@
             </a:r>
             <a:r>
               <a:rPr lang="en-US" dirty="0" smtClean="0"/>
-              <a:t> </a:t>
-            </a:r>
-            <a:r>
-              <a:rPr lang="en-US" dirty="0" smtClean="0"/>
-              <a:t>females, 19-24 years old)</a:t>
+              <a:t> females, 19-24 years old)</a:t>
             </a:r>
           </a:p>
           <a:p>
@@ -8229,11 +8270,7 @@
           <a:p>
             <a:r>
               <a:rPr lang="en-US" b="1" dirty="0" smtClean="0"/>
-              <a:t>KFOLD 11 </a:t>
-            </a:r>
-            <a:r>
-              <a:rPr lang="en-US" b="1" dirty="0" smtClean="0"/>
-              <a:t>Persons Results</a:t>
+              <a:t>KFOLD 11 Persons Results</a:t>
             </a:r>
             <a:endParaRPr lang="en-US" b="1" dirty="0"/>
           </a:p>
@@ -9935,7 +9972,19 @@
               <a:rPr lang="en-US" b="1" i="1" u="sng" dirty="0" smtClean="0">
                 <a:sym typeface="Wingdings"/>
               </a:rPr>
-              <a:t>6 Persons</a:t>
+              <a:t>11</a:t>
+            </a:r>
+            <a:r>
+              <a:rPr lang="en-US" b="1" i="1" u="sng" dirty="0" smtClean="0">
+                <a:sym typeface="Wingdings"/>
+              </a:rPr>
+              <a:t> </a:t>
+            </a:r>
+            <a:r>
+              <a:rPr lang="en-US" b="1" i="1" u="sng" dirty="0" smtClean="0">
+                <a:sym typeface="Wingdings"/>
+              </a:rPr>
+              <a:t>Persons</a:t>
             </a:r>
             <a:r>
               <a:rPr lang="en-US" dirty="0" smtClean="0">
@@ -10646,20 +10695,24 @@
           </p:graphicFrame>
         </mc:Fallback>
       </mc:AlternateContent>
-      <mc:AlternateContent xmlns:mc="http://schemas.openxmlformats.org/markup-compatibility/2006" xmlns:a14="http://schemas.microsoft.com/office/drawing/2010/main">
-        <mc:Choice Requires="a14">
+      <mc:AlternateContent xmlns:mc="http://schemas.openxmlformats.org/markup-compatibility/2006">
+        <mc:Choice xmlns:a14="http://schemas.microsoft.com/office/drawing/2010/main" Requires="a14">
           <p:graphicFrame>
             <p:nvGraphicFramePr>
-              <p:cNvPr id="7" name="Table 6"/>
+              <p:cNvPr id="8" name="Table 7"/>
               <p:cNvGraphicFramePr>
                 <a:graphicFrameLocks noGrp="1"/>
               </p:cNvGraphicFramePr>
               <p:nvPr>
-                <p:extLst/>
+                <p:extLst>
+                  <p:ext uri="{D42A27DB-BD31-4B8C-83A1-F6EECF244321}">
+                    <p14:modId xmlns:p14="http://schemas.microsoft.com/office/powerpoint/2010/main" val="389464751"/>
+                  </p:ext>
+                </p:extLst>
               </p:nvPr>
             </p:nvGraphicFramePr>
             <p:xfrm>
-              <a:off x="1117599" y="4719075"/>
+              <a:off x="1117598" y="4819058"/>
               <a:ext cx="10603345" cy="1493520"/>
             </p:xfrm>
             <a:graphic>
@@ -10704,13 +10757,13 @@
                             <a:rPr lang="en-US" sz="2000" dirty="0" smtClean="0">
                               <a:latin typeface="+mn-lt"/>
                             </a:rPr>
-                            <a:t>Accurac</a:t>
+                            <a:t>F1</a:t>
                           </a:r>
                           <a:r>
                             <a:rPr lang="en-US" sz="2000" baseline="0" dirty="0" smtClean="0">
                               <a:latin typeface="+mn-lt"/>
                             </a:rPr>
-                            <a:t>y Mean</a:t>
+                            <a:t> Mean</a:t>
                           </a:r>
                         </a:p>
                         <a:p>
@@ -10738,7 +10791,7 @@
                             <a:rPr lang="en-US" sz="2000" dirty="0" smtClean="0">
                               <a:latin typeface="+mn-lt"/>
                             </a:rPr>
-                            <a:t>Accuracy Mean</a:t>
+                            <a:t>F1 Mean</a:t>
                           </a:r>
                         </a:p>
                         <a:p>
@@ -10766,7 +10819,7 @@
                             <a:rPr lang="en-US" sz="2000" dirty="0" smtClean="0">
                               <a:latin typeface="+mn-lt"/>
                             </a:rPr>
-                            <a:t>Accuracy Mean</a:t>
+                            <a:t>F1 Mean</a:t>
                           </a:r>
                         </a:p>
                         <a:p>
@@ -10814,7 +10867,7 @@
                             <a:rPr lang="en-US" sz="2000" dirty="0" smtClean="0">
                               <a:latin typeface="+mn-lt"/>
                             </a:rPr>
-                            <a:t>97.33% </a:t>
+                            <a:t>96.45% </a:t>
                           </a:r>
                           <a14:m>
                             <m:oMath xmlns:m="http://schemas.openxmlformats.org/officeDocument/2006/math">
@@ -10832,7 +10885,7 @@
                             <a:rPr lang="en-US" sz="2000" dirty="0" smtClean="0">
                               <a:latin typeface="+mn-lt"/>
                             </a:rPr>
-                            <a:t> 0.25%  </a:t>
+                            <a:t> 0.18%</a:t>
                           </a:r>
                           <a:endParaRPr lang="en-US" sz="2000" dirty="0">
                             <a:latin typeface="+mn-lt"/>
@@ -10851,7 +10904,7 @@
                             <a:rPr lang="en-US" sz="2000" dirty="0" smtClean="0">
                               <a:latin typeface="+mn-lt"/>
                             </a:rPr>
-                            <a:t>91.66% </a:t>
+                            <a:t>90.77% </a:t>
                           </a:r>
                           <a14:m>
                             <m:oMath xmlns:m="http://schemas.openxmlformats.org/officeDocument/2006/math">
@@ -10869,7 +10922,7 @@
                             <a:rPr lang="en-US" sz="2000" dirty="0" smtClean="0">
                               <a:latin typeface="+mn-lt"/>
                             </a:rPr>
-                            <a:t> 0.27%</a:t>
+                            <a:t> 0.35%</a:t>
                           </a:r>
                           <a:endParaRPr lang="en-US" sz="2000" dirty="0">
                             <a:latin typeface="+mn-lt"/>
@@ -10888,7 +10941,7 @@
                             <a:rPr lang="en-US" sz="2000" dirty="0" smtClean="0">
                               <a:latin typeface="+mn-lt"/>
                             </a:rPr>
-                            <a:t>91.83% </a:t>
+                            <a:t>90.15% </a:t>
                           </a:r>
                           <a14:m>
                             <m:oMath xmlns:m="http://schemas.openxmlformats.org/officeDocument/2006/math">
@@ -10906,7 +10959,7 @@
                             <a:rPr lang="en-US" sz="2000" dirty="0" smtClean="0">
                               <a:latin typeface="+mn-lt"/>
                             </a:rPr>
-                            <a:t> 0.32%</a:t>
+                            <a:t> 0.10%</a:t>
                           </a:r>
                           <a:endParaRPr lang="en-US" sz="2000" dirty="0">
                             <a:latin typeface="+mn-lt"/>
@@ -10945,7 +10998,7 @@
                             <a:rPr lang="en-US" sz="2000" dirty="0" smtClean="0">
                               <a:latin typeface="+mn-lt"/>
                             </a:rPr>
-                            <a:t>97.43% </a:t>
+                            <a:t>96.49% </a:t>
                           </a:r>
                           <a14:m>
                             <m:oMath xmlns:m="http://schemas.openxmlformats.org/officeDocument/2006/math">
@@ -10963,7 +11016,7 @@
                             <a:rPr lang="en-US" sz="2000" dirty="0" smtClean="0">
                               <a:latin typeface="+mn-lt"/>
                             </a:rPr>
-                            <a:t> 0.09%</a:t>
+                            <a:t> 0.29%</a:t>
                           </a:r>
                           <a:endParaRPr lang="en-US" sz="2000" dirty="0">
                             <a:latin typeface="+mn-lt"/>
@@ -10982,7 +11035,7 @@
                             <a:rPr lang="en-US" sz="2000" dirty="0" smtClean="0">
                               <a:latin typeface="+mn-lt"/>
                             </a:rPr>
-                            <a:t>86.40% </a:t>
+                            <a:t>82.29% </a:t>
                           </a:r>
                           <a14:m>
                             <m:oMath xmlns:m="http://schemas.openxmlformats.org/officeDocument/2006/math">
@@ -11000,7 +11053,7 @@
                             <a:rPr lang="en-US" sz="2000" dirty="0" smtClean="0">
                               <a:latin typeface="+mn-lt"/>
                             </a:rPr>
-                            <a:t> 0.39%</a:t>
+                            <a:t> 0.23%</a:t>
                           </a:r>
                           <a:endParaRPr lang="en-US" sz="2000" dirty="0">
                             <a:latin typeface="+mn-lt"/>
@@ -11019,7 +11072,7 @@
                             <a:rPr lang="en-US" sz="2000" dirty="0" smtClean="0">
                               <a:latin typeface="+mn-lt"/>
                             </a:rPr>
-                            <a:t>90.78% </a:t>
+                            <a:t>89.23% </a:t>
                           </a:r>
                           <a14:m>
                             <m:oMath xmlns:m="http://schemas.openxmlformats.org/officeDocument/2006/math">
@@ -11037,7 +11090,7 @@
                             <a:rPr lang="en-US" sz="2000" dirty="0" smtClean="0">
                               <a:latin typeface="+mn-lt"/>
                             </a:rPr>
-                            <a:t> 0.38%</a:t>
+                            <a:t> 0.31%</a:t>
                           </a:r>
                           <a:endParaRPr lang="en-US" sz="2000" dirty="0">
                             <a:latin typeface="+mn-lt"/>
@@ -11052,23 +11105,23 @@
             </a:graphic>
           </p:graphicFrame>
         </mc:Choice>
-        <mc:Fallback xmlns="">
+        <mc:Fallback>
           <p:graphicFrame>
             <p:nvGraphicFramePr>
-              <p:cNvPr id="7" name="Table 6"/>
+              <p:cNvPr id="8" name="Table 7"/>
               <p:cNvGraphicFramePr>
                 <a:graphicFrameLocks noGrp="1"/>
               </p:cNvGraphicFramePr>
               <p:nvPr>
                 <p:extLst>
                   <p:ext uri="{D42A27DB-BD31-4B8C-83A1-F6EECF244321}">
-                    <p14:modId xmlns:p14="http://schemas.microsoft.com/office/powerpoint/2010/main" val="1926648061"/>
+                    <p14:modId xmlns:p14="http://schemas.microsoft.com/office/powerpoint/2010/main" val="389464751"/>
                   </p:ext>
                 </p:extLst>
               </p:nvPr>
             </p:nvGraphicFramePr>
             <p:xfrm>
-              <a:off x="1117599" y="4719075"/>
+              <a:off x="1117598" y="4819058"/>
               <a:ext cx="10603345" cy="1493520"/>
             </p:xfrm>
             <a:graphic>
@@ -11113,13 +11166,13 @@
                             <a:rPr lang="en-US" sz="2000" dirty="0" smtClean="0">
                               <a:latin typeface="+mn-lt"/>
                             </a:rPr>
-                            <a:t>Accurac</a:t>
+                            <a:t>F1</a:t>
                           </a:r>
                           <a:r>
                             <a:rPr lang="en-US" sz="2000" baseline="0" dirty="0" smtClean="0">
                               <a:latin typeface="+mn-lt"/>
                             </a:rPr>
-                            <a:t>y Mean</a:t>
+                            <a:t> Mean</a:t>
                           </a:r>
                         </a:p>
                         <a:p>
@@ -11147,7 +11200,7 @@
                             <a:rPr lang="en-US" sz="2000" dirty="0" smtClean="0">
                               <a:latin typeface="+mn-lt"/>
                             </a:rPr>
-                            <a:t>Accuracy Mean</a:t>
+                            <a:t>F1 Mean</a:t>
                           </a:r>
                         </a:p>
                         <a:p>
@@ -11175,7 +11228,7 @@
                             <a:rPr lang="en-US" sz="2000" dirty="0" smtClean="0">
                               <a:latin typeface="+mn-lt"/>
                             </a:rPr>
-                            <a:t>Accuracy Mean</a:t>
+                            <a:t>F1 Mean</a:t>
                           </a:r>
                         </a:p>
                         <a:p>
@@ -11225,7 +11278,7 @@
                         <a:blipFill rotWithShape="0">
                           <a:blip r:embed="rId4"/>
                           <a:stretch>
-                            <a:fillRect l="-150129" t="-181818" r="-198458" b="-124242"/>
+                            <a:fillRect l="-150129" t="-181818" r="-198458" b="-125758"/>
                           </a:stretch>
                         </a:blipFill>
                       </a:tcPr>
@@ -11242,7 +11295,7 @@
                         <a:blipFill rotWithShape="0">
                           <a:blip r:embed="rId4"/>
                           <a:stretch>
-                            <a:fillRect l="-253385" t="-181818" r="-101042" b="-124242"/>
+                            <a:fillRect l="-253385" t="-181818" r="-101042" b="-125758"/>
                           </a:stretch>
                         </a:blipFill>
                       </a:tcPr>
@@ -11259,7 +11312,7 @@
                         <a:blipFill rotWithShape="0">
                           <a:blip r:embed="rId4"/>
                           <a:stretch>
-                            <a:fillRect l="-353385" t="-181818" r="-1042" b="-124242"/>
+                            <a:fillRect l="-353385" t="-181818" r="-1042" b="-125758"/>
                           </a:stretch>
                         </a:blipFill>
                       </a:tcPr>
@@ -11296,7 +11349,7 @@
                         <a:blipFill rotWithShape="0">
                           <a:blip r:embed="rId4"/>
                           <a:stretch>
-                            <a:fillRect l="-150129" t="-286154" r="-198458" b="-26154"/>
+                            <a:fillRect l="-150129" t="-286154" r="-198458" b="-27692"/>
                           </a:stretch>
                         </a:blipFill>
                       </a:tcPr>
@@ -11313,7 +11366,7 @@
                         <a:blipFill rotWithShape="0">
                           <a:blip r:embed="rId4"/>
                           <a:stretch>
-                            <a:fillRect l="-253385" t="-286154" r="-101042" b="-26154"/>
+                            <a:fillRect l="-253385" t="-286154" r="-101042" b="-27692"/>
                           </a:stretch>
                         </a:blipFill>
                       </a:tcPr>
@@ -11330,7 +11383,7 @@
                         <a:blipFill rotWithShape="0">
                           <a:blip r:embed="rId4"/>
                           <a:stretch>
-                            <a:fillRect l="-353385" t="-286154" r="-1042" b="-26154"/>
+                            <a:fillRect l="-353385" t="-286154" r="-1042" b="-27692"/>
                           </a:stretch>
                         </a:blipFill>
                       </a:tcPr>
@@ -11708,7 +11761,13 @@
               <a:rPr lang="en-US" sz="2400" dirty="0" smtClean="0">
                 <a:sym typeface="Wingdings"/>
               </a:rPr>
-              <a:t> Number of Estimators = 500</a:t>
+              <a:t> Number of Estimators = </a:t>
+            </a:r>
+            <a:r>
+              <a:rPr lang="en-US" sz="2400" dirty="0" smtClean="0">
+                <a:sym typeface="Wingdings"/>
+              </a:rPr>
+              <a:t>500, average of 3 runs / subject</a:t>
             </a:r>
             <a:endParaRPr lang="en-US" sz="2400" dirty="0" smtClean="0"/>
           </a:p>
@@ -11717,8 +11776,8 @@
           </a:p>
         </p:txBody>
       </p:sp>
-      <mc:AlternateContent xmlns:mc="http://schemas.openxmlformats.org/markup-compatibility/2006" xmlns:a14="http://schemas.microsoft.com/office/drawing/2010/main">
-        <mc:Choice Requires="a14">
+      <mc:AlternateContent xmlns:mc="http://schemas.openxmlformats.org/markup-compatibility/2006">
+        <mc:Choice xmlns:a14="http://schemas.microsoft.com/office/drawing/2010/main" Requires="a14">
           <p:graphicFrame>
             <p:nvGraphicFramePr>
               <p:cNvPr id="6" name="Table 5"/>
@@ -11726,7 +11785,11 @@
                 <a:graphicFrameLocks noGrp="1"/>
               </p:cNvGraphicFramePr>
               <p:nvPr>
-                <p:extLst/>
+                <p:extLst>
+                  <p:ext uri="{D42A27DB-BD31-4B8C-83A1-F6EECF244321}">
+                    <p14:modId xmlns:p14="http://schemas.microsoft.com/office/powerpoint/2010/main" val="1494548653"/>
+                  </p:ext>
+                </p:extLst>
               </p:nvPr>
             </p:nvGraphicFramePr>
             <p:xfrm>
@@ -12700,7 +12763,35 @@
                           <a:pPr algn="ctr"/>
                           <a:r>
                             <a:rPr lang="en-US" sz="2000" dirty="0" smtClean="0"/>
-                            <a:t>81.45%</a:t>
+                            <a:t>81.45</a:t>
+                          </a:r>
+                          <a:r>
+                            <a:rPr lang="en-US" sz="2000" dirty="0" smtClean="0"/>
+                            <a:t>% </a:t>
+                          </a:r>
+                          <a14:m>
+                            <m:oMath xmlns:m="http://schemas.openxmlformats.org/officeDocument/2006/math">
+                              <m:r>
+                                <a:rPr lang="en-US" sz="2000" i="1" smtClean="0">
+                                  <a:latin typeface="Cambria Math" charset="0"/>
+                                  <a:ea typeface="Cambria Math" charset="0"/>
+                                  <a:cs typeface="Cambria Math" charset="0"/>
+                                </a:rPr>
+                                <m:t>±</m:t>
+                              </m:r>
+                            </m:oMath>
+                          </a14:m>
+                          <a:r>
+                            <a:rPr lang="en-US" sz="2000" dirty="0" smtClean="0"/>
+                            <a:t> </a:t>
+                          </a:r>
+                          <a:r>
+                            <a:rPr lang="en-US" sz="2000" dirty="0" err="1" smtClean="0"/>
+                            <a:t>std</a:t>
+                          </a:r>
+                          <a:r>
+                            <a:rPr lang="en-US" sz="2000" baseline="0" dirty="0" smtClean="0"/>
+                            <a:t> of the F1 mean</a:t>
                           </a:r>
                           <a:endParaRPr lang="en-US" sz="2000" dirty="0"/>
                         </a:p>
@@ -12735,7 +12826,7 @@
             </a:graphic>
           </p:graphicFrame>
         </mc:Choice>
-        <mc:Fallback xmlns="">
+        <mc:Fallback>
           <p:graphicFrame>
             <p:nvGraphicFramePr>
               <p:cNvPr id="6" name="Table 5"/>
@@ -12745,7 +12836,7 @@
               <p:nvPr>
                 <p:extLst>
                   <p:ext uri="{D42A27DB-BD31-4B8C-83A1-F6EECF244321}">
-                    <p14:modId xmlns:p14="http://schemas.microsoft.com/office/powerpoint/2010/main" val="1396167893"/>
+                    <p14:modId xmlns:p14="http://schemas.microsoft.com/office/powerpoint/2010/main" val="1494548653"/>
                   </p:ext>
                 </p:extLst>
               </p:nvPr>
@@ -13278,15 +13369,17 @@
                         <a:bodyPr/>
                         <a:lstStyle/>
                         <a:p>
-                          <a:pPr algn="ctr"/>
-                          <a:r>
-                            <a:rPr lang="en-US" sz="2000" dirty="0" smtClean="0"/>
-                            <a:t>81.45%</a:t>
-                          </a:r>
-                          <a:endParaRPr lang="en-US" sz="2000" dirty="0"/>
-                        </a:p>
-                      </a:txBody>
-                      <a:tcPr/>
+                          <a:endParaRPr lang="en-US"/>
+                        </a:p>
+                      </a:txBody>
+                      <a:tcPr>
+                        <a:blipFill rotWithShape="0">
+                          <a:blip r:embed="rId2"/>
+                          <a:stretch>
+                            <a:fillRect l="-40717" t="-786154" r="-368" b="-27692"/>
+                          </a:stretch>
+                        </a:blipFill>
+                      </a:tcPr>
                     </a:tc>
                     <a:tc hMerge="1">
                       <a:txBody>

--- a/docs/documents/weekly_meeting/5 Jan 2017.pptx
+++ b/docs/documents/weekly_meeting/5 Jan 2017.pptx
@@ -208,7 +208,7 @@
           <a:p>
             <a:fld id="{32F524EB-21DC-D649-8E16-5593587A66FB}" type="datetimeFigureOut">
               <a:rPr lang="en-US" smtClean="0"/>
-              <a:t>1/5/17</a:t>
+              <a:t>1/11/17</a:t>
             </a:fld>
             <a:endParaRPr lang="en-US"/>
           </a:p>
@@ -775,7 +775,7 @@
           <a:p>
             <a:fld id="{709C5A05-A171-7A40-87C1-82F3DC709F69}" type="datetimeFigureOut">
               <a:rPr lang="en-US" smtClean="0"/>
-              <a:t>1/5/17</a:t>
+              <a:t>1/11/17</a:t>
             </a:fld>
             <a:endParaRPr lang="en-US"/>
           </a:p>
@@ -945,7 +945,7 @@
           <a:p>
             <a:fld id="{709C5A05-A171-7A40-87C1-82F3DC709F69}" type="datetimeFigureOut">
               <a:rPr lang="en-US" smtClean="0"/>
-              <a:t>1/5/17</a:t>
+              <a:t>1/11/17</a:t>
             </a:fld>
             <a:endParaRPr lang="en-US"/>
           </a:p>
@@ -1125,7 +1125,7 @@
           <a:p>
             <a:fld id="{709C5A05-A171-7A40-87C1-82F3DC709F69}" type="datetimeFigureOut">
               <a:rPr lang="en-US" smtClean="0"/>
-              <a:t>1/5/17</a:t>
+              <a:t>1/11/17</a:t>
             </a:fld>
             <a:endParaRPr lang="en-US"/>
           </a:p>
@@ -1295,7 +1295,7 @@
           <a:p>
             <a:fld id="{709C5A05-A171-7A40-87C1-82F3DC709F69}" type="datetimeFigureOut">
               <a:rPr lang="en-US" smtClean="0"/>
-              <a:t>1/5/17</a:t>
+              <a:t>1/11/17</a:t>
             </a:fld>
             <a:endParaRPr lang="en-US"/>
           </a:p>
@@ -1541,7 +1541,7 @@
           <a:p>
             <a:fld id="{709C5A05-A171-7A40-87C1-82F3DC709F69}" type="datetimeFigureOut">
               <a:rPr lang="en-US" smtClean="0"/>
-              <a:t>1/5/17</a:t>
+              <a:t>1/11/17</a:t>
             </a:fld>
             <a:endParaRPr lang="en-US"/>
           </a:p>
@@ -1773,7 +1773,7 @@
           <a:p>
             <a:fld id="{709C5A05-A171-7A40-87C1-82F3DC709F69}" type="datetimeFigureOut">
               <a:rPr lang="en-US" smtClean="0"/>
-              <a:t>1/5/17</a:t>
+              <a:t>1/11/17</a:t>
             </a:fld>
             <a:endParaRPr lang="en-US"/>
           </a:p>
@@ -2140,7 +2140,7 @@
           <a:p>
             <a:fld id="{709C5A05-A171-7A40-87C1-82F3DC709F69}" type="datetimeFigureOut">
               <a:rPr lang="en-US" smtClean="0"/>
-              <a:t>1/5/17</a:t>
+              <a:t>1/11/17</a:t>
             </a:fld>
             <a:endParaRPr lang="en-US"/>
           </a:p>
@@ -2258,7 +2258,7 @@
           <a:p>
             <a:fld id="{709C5A05-A171-7A40-87C1-82F3DC709F69}" type="datetimeFigureOut">
               <a:rPr lang="en-US" smtClean="0"/>
-              <a:t>1/5/17</a:t>
+              <a:t>1/11/17</a:t>
             </a:fld>
             <a:endParaRPr lang="en-US"/>
           </a:p>
@@ -2353,7 +2353,7 @@
           <a:p>
             <a:fld id="{709C5A05-A171-7A40-87C1-82F3DC709F69}" type="datetimeFigureOut">
               <a:rPr lang="en-US" smtClean="0"/>
-              <a:t>1/5/17</a:t>
+              <a:t>1/11/17</a:t>
             </a:fld>
             <a:endParaRPr lang="en-US"/>
           </a:p>
@@ -2630,7 +2630,7 @@
           <a:p>
             <a:fld id="{709C5A05-A171-7A40-87C1-82F3DC709F69}" type="datetimeFigureOut">
               <a:rPr lang="en-US" smtClean="0"/>
-              <a:t>1/5/17</a:t>
+              <a:t>1/11/17</a:t>
             </a:fld>
             <a:endParaRPr lang="en-US"/>
           </a:p>
@@ -2883,7 +2883,7 @@
           <a:p>
             <a:fld id="{709C5A05-A171-7A40-87C1-82F3DC709F69}" type="datetimeFigureOut">
               <a:rPr lang="en-US" smtClean="0"/>
-              <a:t>1/5/17</a:t>
+              <a:t>1/11/17</a:t>
             </a:fld>
             <a:endParaRPr lang="en-US"/>
           </a:p>
@@ -3096,7 +3096,7 @@
           <a:p>
             <a:fld id="{709C5A05-A171-7A40-87C1-82F3DC709F69}" type="datetimeFigureOut">
               <a:rPr lang="en-US" smtClean="0"/>
-              <a:t>1/5/17</a:t>
+              <a:t>1/11/17</a:t>
             </a:fld>
             <a:endParaRPr lang="en-US"/>
           </a:p>
@@ -3516,7 +3516,11 @@
           <a:bodyPr/>
           <a:lstStyle/>
           <a:p>
-            <a:endParaRPr lang="en-US"/>
+            <a:r>
+              <a:rPr lang="en-US" dirty="0" smtClean="0"/>
+              <a:t>Human Activity Recognition</a:t>
+            </a:r>
+            <a:endParaRPr lang="en-US" dirty="0"/>
           </a:p>
         </p:txBody>
       </p:sp>
@@ -5738,8 +5742,8 @@
           </a:p>
         </p:txBody>
       </p:sp>
-      <mc:AlternateContent xmlns:mc="http://schemas.openxmlformats.org/markup-compatibility/2006" xmlns:a14="http://schemas.microsoft.com/office/drawing/2010/main">
-        <mc:Choice Requires="a14">
+      <mc:AlternateContent xmlns:mc="http://schemas.openxmlformats.org/markup-compatibility/2006">
+        <mc:Choice xmlns:a14="http://schemas.microsoft.com/office/drawing/2010/main" Requires="a14">
           <p:graphicFrame>
             <p:nvGraphicFramePr>
               <p:cNvPr id="6" name="Table 5"/>
@@ -5747,7 +5751,11 @@
                 <a:graphicFrameLocks noGrp="1"/>
               </p:cNvGraphicFramePr>
               <p:nvPr>
-                <p:extLst/>
+                <p:extLst>
+                  <p:ext uri="{D42A27DB-BD31-4B8C-83A1-F6EECF244321}">
+                    <p14:modId xmlns:p14="http://schemas.microsoft.com/office/powerpoint/2010/main" val="1816557446"/>
+                  </p:ext>
+                </p:extLst>
               </p:nvPr>
             </p:nvGraphicFramePr>
             <p:xfrm>
@@ -5911,7 +5919,11 @@
                           </a14:m>
                           <a:r>
                             <a:rPr lang="en-US" sz="2000" dirty="0" smtClean="0"/>
-                            <a:t> %</a:t>
+                            <a:t> </a:t>
+                          </a:r>
+                          <a:r>
+                            <a:rPr lang="en-US" sz="2000" dirty="0" smtClean="0"/>
+                            <a:t>0.00%</a:t>
                           </a:r>
                           <a:endParaRPr lang="en-US" sz="2000" dirty="0"/>
                         </a:p>
@@ -5999,7 +6011,11 @@
                           </a14:m>
                           <a:r>
                             <a:rPr lang="en-US" sz="2000" dirty="0" smtClean="0"/>
-                            <a:t> %</a:t>
+                            <a:t> </a:t>
+                          </a:r>
+                          <a:r>
+                            <a:rPr lang="en-US" sz="2000" dirty="0" smtClean="0"/>
+                            <a:t>0.00%</a:t>
                           </a:r>
                           <a:endParaRPr lang="en-US" sz="2000" dirty="0"/>
                         </a:p>
@@ -6072,7 +6088,11 @@
                           </a14:m>
                           <a:r>
                             <a:rPr lang="en-US" sz="2000" dirty="0" smtClean="0"/>
-                            <a:t> %</a:t>
+                            <a:t> </a:t>
+                          </a:r>
+                          <a:r>
+                            <a:rPr lang="en-US" sz="2000" dirty="0" smtClean="0"/>
+                            <a:t>0.00%</a:t>
                           </a:r>
                           <a:endParaRPr lang="en-US" sz="2000" dirty="0"/>
                         </a:p>
@@ -6144,7 +6164,11 @@
                           </a14:m>
                           <a:r>
                             <a:rPr lang="en-US" sz="2000" dirty="0" smtClean="0"/>
-                            <a:t> %</a:t>
+                            <a:t> </a:t>
+                          </a:r>
+                          <a:r>
+                            <a:rPr lang="en-US" sz="2000" dirty="0" smtClean="0"/>
+                            <a:t>0.00%</a:t>
                           </a:r>
                           <a:endParaRPr lang="en-US" sz="2000" dirty="0"/>
                         </a:p>
@@ -6217,7 +6241,11 @@
                           </a14:m>
                           <a:r>
                             <a:rPr lang="en-US" sz="2000" dirty="0" smtClean="0"/>
-                            <a:t> %</a:t>
+                            <a:t> </a:t>
+                          </a:r>
+                          <a:r>
+                            <a:rPr lang="en-US" sz="2000" dirty="0" smtClean="0"/>
+                            <a:t>0.00%</a:t>
                           </a:r>
                           <a:endParaRPr lang="en-US" sz="2000" dirty="0"/>
                         </a:p>
@@ -6289,7 +6317,11 @@
                           </a14:m>
                           <a:r>
                             <a:rPr lang="en-US" sz="2000" dirty="0" smtClean="0"/>
-                            <a:t> %</a:t>
+                            <a:t> </a:t>
+                          </a:r>
+                          <a:r>
+                            <a:rPr lang="en-US" sz="2000" dirty="0" smtClean="0"/>
+                            <a:t>0.00%</a:t>
                           </a:r>
                           <a:endParaRPr lang="en-US" sz="2000" dirty="0"/>
                         </a:p>
@@ -6362,7 +6394,11 @@
                           </a14:m>
                           <a:r>
                             <a:rPr lang="en-US" sz="2000" dirty="0" smtClean="0"/>
-                            <a:t> %</a:t>
+                            <a:t> </a:t>
+                          </a:r>
+                          <a:r>
+                            <a:rPr lang="en-US" sz="2000" dirty="0" smtClean="0"/>
+                            <a:t>0.00%</a:t>
                           </a:r>
                           <a:endParaRPr lang="en-US" sz="2000" dirty="0"/>
                         </a:p>
@@ -6434,7 +6470,11 @@
                           </a14:m>
                           <a:r>
                             <a:rPr lang="en-US" sz="2000" dirty="0" smtClean="0"/>
-                            <a:t> %</a:t>
+                            <a:t> </a:t>
+                          </a:r>
+                          <a:r>
+                            <a:rPr lang="en-US" sz="2000" dirty="0" smtClean="0"/>
+                            <a:t>0.00%</a:t>
                           </a:r>
                           <a:endParaRPr lang="en-US" sz="2000" dirty="0"/>
                         </a:p>
@@ -6507,7 +6547,11 @@
                           </a14:m>
                           <a:r>
                             <a:rPr lang="en-US" sz="2000" dirty="0" smtClean="0"/>
-                            <a:t> %</a:t>
+                            <a:t> </a:t>
+                          </a:r>
+                          <a:r>
+                            <a:rPr lang="en-US" sz="2000" dirty="0" smtClean="0"/>
+                            <a:t>0.00%</a:t>
                           </a:r>
                           <a:endParaRPr lang="en-US" sz="2000" dirty="0"/>
                         </a:p>
@@ -6579,7 +6623,11 @@
                           </a14:m>
                           <a:r>
                             <a:rPr lang="en-US" sz="2000" dirty="0" smtClean="0"/>
-                            <a:t> %</a:t>
+                            <a:t> </a:t>
+                          </a:r>
+                          <a:r>
+                            <a:rPr lang="en-US" sz="2000" dirty="0" smtClean="0"/>
+                            <a:t>0.00%</a:t>
                           </a:r>
                           <a:endParaRPr lang="en-US" sz="2000" dirty="0"/>
                         </a:p>
@@ -6652,7 +6700,11 @@
                           </a14:m>
                           <a:r>
                             <a:rPr lang="en-US" sz="2000" dirty="0" smtClean="0"/>
-                            <a:t> %</a:t>
+                            <a:t> </a:t>
+                          </a:r>
+                          <a:r>
+                            <a:rPr lang="en-US" sz="2000" dirty="0" smtClean="0"/>
+                            <a:t>0.00%</a:t>
                           </a:r>
                           <a:endParaRPr lang="en-US" sz="2000" dirty="0"/>
                         </a:p>
@@ -6721,7 +6773,23 @@
                           <a:pPr algn="ctr"/>
                           <a:r>
                             <a:rPr lang="en-US" sz="2000" dirty="0" smtClean="0"/>
-                            <a:t>%</a:t>
+                            <a:t>78.63% </a:t>
+                          </a:r>
+                          <a14:m>
+                            <m:oMath xmlns:m="http://schemas.openxmlformats.org/officeDocument/2006/math">
+                              <m:r>
+                                <a:rPr lang="en-US" sz="2000" i="1" smtClean="0">
+                                  <a:latin typeface="Cambria Math" charset="0"/>
+                                  <a:ea typeface="Cambria Math" charset="0"/>
+                                  <a:cs typeface="Cambria Math" charset="0"/>
+                                </a:rPr>
+                                <m:t>±</m:t>
+                              </m:r>
+                            </m:oMath>
+                          </a14:m>
+                          <a:r>
+                            <a:rPr lang="en-US" sz="2000" dirty="0" smtClean="0"/>
+                            <a:t> 4.98%</a:t>
                           </a:r>
                           <a:endParaRPr lang="en-US" sz="2000" dirty="0"/>
                         </a:p>
@@ -6756,7 +6824,7 @@
             </a:graphic>
           </p:graphicFrame>
         </mc:Choice>
-        <mc:Fallback xmlns="">
+        <mc:Fallback>
           <p:graphicFrame>
             <p:nvGraphicFramePr>
               <p:cNvPr id="6" name="Table 5"/>
@@ -6766,7 +6834,7 @@
               <p:nvPr>
                 <p:extLst>
                   <p:ext uri="{D42A27DB-BD31-4B8C-83A1-F6EECF244321}">
-                    <p14:modId xmlns:p14="http://schemas.microsoft.com/office/powerpoint/2010/main" val="669605637"/>
+                    <p14:modId xmlns:p14="http://schemas.microsoft.com/office/powerpoint/2010/main" val="1816557446"/>
                   </p:ext>
                 </p:extLst>
               </p:nvPr>
@@ -7299,15 +7367,17 @@
                         <a:bodyPr/>
                         <a:lstStyle/>
                         <a:p>
-                          <a:pPr algn="ctr"/>
-                          <a:r>
-                            <a:rPr lang="en-US" sz="2000" dirty="0" smtClean="0"/>
-                            <a:t>%</a:t>
-                          </a:r>
-                          <a:endParaRPr lang="en-US" sz="2000" dirty="0"/>
-                        </a:p>
-                      </a:txBody>
-                      <a:tcPr/>
+                          <a:endParaRPr lang="en-US"/>
+                        </a:p>
+                      </a:txBody>
+                      <a:tcPr>
+                        <a:blipFill rotWithShape="0">
+                          <a:blip r:embed="rId2"/>
+                          <a:stretch>
+                            <a:fillRect l="-40717" t="-786154" r="-368" b="-27692"/>
+                          </a:stretch>
+                        </a:blipFill>
+                      </a:tcPr>
                     </a:tc>
                     <a:tc hMerge="1">
                       <a:txBody>
@@ -7424,11 +7494,7 @@
             <a:pPr lvl="1"/>
             <a:r>
               <a:rPr lang="en-US" dirty="0" smtClean="0"/>
-              <a:t>Not sure how it works and how it can be applied since most applications are in the area of </a:t>
-            </a:r>
-            <a:r>
-              <a:rPr lang="en-US" dirty="0" smtClean="0"/>
-              <a:t>EEG </a:t>
+              <a:t>Not sure how it works and how it can be applied since most applications are in the area of EEG </a:t>
             </a:r>
             <a:r>
               <a:rPr lang="en-US" dirty="0" smtClean="0">
@@ -7474,13 +7540,7 @@
               <a:rPr lang="en-US" dirty="0" smtClean="0">
                 <a:sym typeface="Wingdings"/>
               </a:rPr>
-              <a:t> may help in differentiating running, walking, going </a:t>
-            </a:r>
-            <a:r>
-              <a:rPr lang="en-US" dirty="0" smtClean="0">
-                <a:sym typeface="Wingdings"/>
-              </a:rPr>
-              <a:t>downstairs/upstairs</a:t>
+              <a:t> may help in differentiating running, walking, going downstairs/upstairs</a:t>
             </a:r>
           </a:p>
           <a:p>
@@ -7622,12 +7682,12 @@
               <a:t> males, </a:t>
             </a:r>
             <a:r>
-              <a:rPr lang="en-US" dirty="0"/>
-              <a:t>5</a:t>
+              <a:rPr lang="en-US" dirty="0" smtClean="0"/>
+              <a:t>5 </a:t>
             </a:r>
             <a:r>
               <a:rPr lang="en-US" dirty="0" smtClean="0"/>
-              <a:t> females, 19-24 years old)</a:t>
+              <a:t>females, 19-24 years old)</a:t>
             </a:r>
           </a:p>
           <a:p>
@@ -9972,19 +10032,7 @@
               <a:rPr lang="en-US" b="1" i="1" u="sng" dirty="0" smtClean="0">
                 <a:sym typeface="Wingdings"/>
               </a:rPr>
-              <a:t>11</a:t>
-            </a:r>
-            <a:r>
-              <a:rPr lang="en-US" b="1" i="1" u="sng" dirty="0" smtClean="0">
-                <a:sym typeface="Wingdings"/>
-              </a:rPr>
-              <a:t> </a:t>
-            </a:r>
-            <a:r>
-              <a:rPr lang="en-US" b="1" i="1" u="sng" dirty="0" smtClean="0">
-                <a:sym typeface="Wingdings"/>
-              </a:rPr>
-              <a:t>Persons</a:t>
+              <a:t>11 Persons</a:t>
             </a:r>
             <a:r>
               <a:rPr lang="en-US" dirty="0" smtClean="0">
@@ -10695,8 +10743,8 @@
           </p:graphicFrame>
         </mc:Fallback>
       </mc:AlternateContent>
-      <mc:AlternateContent xmlns:mc="http://schemas.openxmlformats.org/markup-compatibility/2006">
-        <mc:Choice xmlns:a14="http://schemas.microsoft.com/office/drawing/2010/main" Requires="a14">
+      <mc:AlternateContent xmlns:mc="http://schemas.openxmlformats.org/markup-compatibility/2006" xmlns:a14="http://schemas.microsoft.com/office/drawing/2010/main">
+        <mc:Choice Requires="a14">
           <p:graphicFrame>
             <p:nvGraphicFramePr>
               <p:cNvPr id="8" name="Table 7"/>
@@ -11105,7 +11153,7 @@
             </a:graphic>
           </p:graphicFrame>
         </mc:Choice>
-        <mc:Fallback>
+        <mc:Fallback xmlns="">
           <p:graphicFrame>
             <p:nvGraphicFramePr>
               <p:cNvPr id="8" name="Table 7"/>
@@ -11761,13 +11809,7 @@
               <a:rPr lang="en-US" sz="2400" dirty="0" smtClean="0">
                 <a:sym typeface="Wingdings"/>
               </a:rPr>
-              <a:t> Number of Estimators = </a:t>
-            </a:r>
-            <a:r>
-              <a:rPr lang="en-US" sz="2400" dirty="0" smtClean="0">
-                <a:sym typeface="Wingdings"/>
-              </a:rPr>
-              <a:t>500, average of 3 runs / subject</a:t>
+              <a:t> Number of Estimators = 500, average of 3 runs / subject</a:t>
             </a:r>
             <a:endParaRPr lang="en-US" sz="2400" dirty="0" smtClean="0"/>
           </a:p>
@@ -11787,7 +11829,7 @@
               <p:nvPr>
                 <p:extLst>
                   <p:ext uri="{D42A27DB-BD31-4B8C-83A1-F6EECF244321}">
-                    <p14:modId xmlns:p14="http://schemas.microsoft.com/office/powerpoint/2010/main" val="1494548653"/>
+                    <p14:modId xmlns:p14="http://schemas.microsoft.com/office/powerpoint/2010/main" val="1164146794"/>
                   </p:ext>
                 </p:extLst>
               </p:nvPr>
@@ -12763,11 +12805,7 @@
                           <a:pPr algn="ctr"/>
                           <a:r>
                             <a:rPr lang="en-US" sz="2000" dirty="0" smtClean="0"/>
-                            <a:t>81.45</a:t>
-                          </a:r>
-                          <a:r>
-                            <a:rPr lang="en-US" sz="2000" dirty="0" smtClean="0"/>
-                            <a:t>% </a:t>
+                            <a:t>81.45% </a:t>
                           </a:r>
                           <a14:m>
                             <m:oMath xmlns:m="http://schemas.openxmlformats.org/officeDocument/2006/math">
@@ -12786,12 +12824,8 @@
                             <a:t> </a:t>
                           </a:r>
                           <a:r>
-                            <a:rPr lang="en-US" sz="2000" dirty="0" err="1" smtClean="0"/>
-                            <a:t>std</a:t>
-                          </a:r>
-                          <a:r>
-                            <a:rPr lang="en-US" sz="2000" baseline="0" dirty="0" smtClean="0"/>
-                            <a:t> of the F1 mean</a:t>
+                            <a:rPr lang="en-US" sz="2000" dirty="0" smtClean="0"/>
+                            <a:t>7.74%</a:t>
                           </a:r>
                           <a:endParaRPr lang="en-US" sz="2000" dirty="0"/>
                         </a:p>
@@ -12836,7 +12870,7 @@
               <p:nvPr>
                 <p:extLst>
                   <p:ext uri="{D42A27DB-BD31-4B8C-83A1-F6EECF244321}">
-                    <p14:modId xmlns:p14="http://schemas.microsoft.com/office/powerpoint/2010/main" val="1494548653"/>
+                    <p14:modId xmlns:p14="http://schemas.microsoft.com/office/powerpoint/2010/main" val="1164146794"/>
                   </p:ext>
                 </p:extLst>
               </p:nvPr>
